--- a/test/pptx/two-column/text-and-image/deleted-layouts.pptx
+++ b/test/pptx/two-column/text-and-image/deleted-layouts.pptx
@@ -3333,15 +3333,7 @@
             </a:pPr>
             <a:r>
               <a:rPr/>
-              <a:t>Slide</a:t>
-            </a:r>
-            <a:r>
-              <a:rPr/>
-              <a:t> </a:t>
-            </a:r>
-            <a:r>
-              <a:rPr/>
-              <a:t>1</a:t>
+              <a:t>Slide 1</a:t>
             </a:r>
           </a:p>
         </p:txBody>
@@ -3401,15 +3393,7 @@
             </a:pPr>
             <a:r>
               <a:rPr/>
-              <a:t>an</a:t>
-            </a:r>
-            <a:r>
-              <a:rPr/>
-              <a:t> </a:t>
-            </a:r>
-            <a:r>
-              <a:rPr/>
-              <a:t>image</a:t>
+              <a:t>an image</a:t>
             </a:r>
           </a:p>
         </p:txBody>
@@ -3489,15 +3473,7 @@
             </a:pPr>
             <a:r>
               <a:rPr/>
-              <a:t>Slide</a:t>
-            </a:r>
-            <a:r>
-              <a:rPr/>
-              <a:t> </a:t>
-            </a:r>
-            <a:r>
-              <a:rPr/>
-              <a:t>2</a:t>
+              <a:t>Slide 2</a:t>
             </a:r>
           </a:p>
         </p:txBody>
@@ -3582,15 +3558,7 @@
             </a:pPr>
             <a:r>
               <a:rPr/>
-              <a:t>an</a:t>
-            </a:r>
-            <a:r>
-              <a:rPr/>
-              <a:t> </a:t>
-            </a:r>
-            <a:r>
-              <a:rPr/>
-              <a:t>image</a:t>
+              <a:t>an image</a:t>
             </a:r>
           </a:p>
         </p:txBody>

--- a/test/pptx/two-column/text-and-image/deleted-layouts.pptx
+++ b/test/pptx/two-column/text-and-image/deleted-layouts.pptx
@@ -3333,11 +3333,7 @@
             </a:pPr>
             <a:r>
               <a:rPr/>
-              <a:t>Slide</a:t>
-            </a:r>
-            <a:r>
-              <a:rPr/>
-              <a:t> </a:t>
+              <a:t>Slide </a:t>
             </a:r>
             <a:r>
               <a:rPr/>
@@ -3401,11 +3397,7 @@
             </a:pPr>
             <a:r>
               <a:rPr/>
-              <a:t>an</a:t>
-            </a:r>
-            <a:r>
-              <a:rPr/>
-              <a:t> </a:t>
+              <a:t>an </a:t>
             </a:r>
             <a:r>
               <a:rPr/>
@@ -3489,11 +3481,7 @@
             </a:pPr>
             <a:r>
               <a:rPr/>
-              <a:t>Slide</a:t>
-            </a:r>
-            <a:r>
-              <a:rPr/>
-              <a:t> </a:t>
+              <a:t>Slide </a:t>
             </a:r>
             <a:r>
               <a:rPr/>
@@ -3582,11 +3570,7 @@
             </a:pPr>
             <a:r>
               <a:rPr/>
-              <a:t>an</a:t>
-            </a:r>
-            <a:r>
-              <a:rPr/>
-              <a:t> </a:t>
+              <a:t>an </a:t>
             </a:r>
             <a:r>
               <a:rPr/>

--- a/test/pptx/two-column/text-and-image/deleted-layouts.pptx
+++ b/test/pptx/two-column/text-and-image/deleted-layouts.pptx
@@ -3333,7 +3333,11 @@
             </a:pPr>
             <a:r>
               <a:rPr/>
-              <a:t>Slide </a:t>
+              <a:t>Slide</a:t>
+            </a:r>
+            <a:r>
+              <a:rPr/>
+              <a:t> </a:t>
             </a:r>
             <a:r>
               <a:rPr/>
@@ -3397,7 +3401,11 @@
             </a:pPr>
             <a:r>
               <a:rPr/>
-              <a:t>an </a:t>
+              <a:t>an</a:t>
+            </a:r>
+            <a:r>
+              <a:rPr/>
+              <a:t> </a:t>
             </a:r>
             <a:r>
               <a:rPr/>
@@ -3481,7 +3489,11 @@
             </a:pPr>
             <a:r>
               <a:rPr/>
-              <a:t>Slide </a:t>
+              <a:t>Slide</a:t>
+            </a:r>
+            <a:r>
+              <a:rPr/>
+              <a:t> </a:t>
             </a:r>
             <a:r>
               <a:rPr/>
@@ -3570,7 +3582,11 @@
             </a:pPr>
             <a:r>
               <a:rPr/>
-              <a:t>an </a:t>
+              <a:t>an</a:t>
+            </a:r>
+            <a:r>
+              <a:rPr/>
+              <a:t> </a:t>
             </a:r>
             <a:r>
               <a:rPr/>
